--- a/slides/grid-layouts.pptx
+++ b/slides/grid-layouts.pptx
@@ -8,6 +8,7 @@
     <p:sldId id="256" r:id="rId2"/>
     <p:sldId id="257" r:id="rId3"/>
     <p:sldId id="258" r:id="rId4"/>
+    <p:sldId id="259" r:id="rId5"/>
   </p:sldIdLst>
   <p:sldSz cx="12192000" cy="6858000"/>
   <p:notesSz cx="6858000" cy="9144000"/>
@@ -106,6 +107,11 @@
       </a:defRPr>
     </a:lvl9pPr>
   </p:defaultTextStyle>
+  <p:extLst>
+    <p:ext uri="{EFAFB233-063F-42B5-8137-9DF3F51BA10A}">
+      <p15:sldGuideLst xmlns:p15="http://schemas.microsoft.com/office/powerpoint/2012/main"/>
+    </p:ext>
+  </p:extLst>
 </p:presentation>
 </file>
 
@@ -256,7 +262,7 @@
           <a:p>
             <a:fld id="{D2031784-A086-4F48-82B4-137E8731BB34}" type="datetimeFigureOut">
               <a:rPr lang="en-US" smtClean="0"/>
-              <a:t>2/7/23</a:t>
+              <a:t>2/14/23</a:t>
             </a:fld>
             <a:endParaRPr lang="en-US"/>
           </a:p>
@@ -454,7 +460,7 @@
           <a:p>
             <a:fld id="{D2031784-A086-4F48-82B4-137E8731BB34}" type="datetimeFigureOut">
               <a:rPr lang="en-US" smtClean="0"/>
-              <a:t>2/7/23</a:t>
+              <a:t>2/14/23</a:t>
             </a:fld>
             <a:endParaRPr lang="en-US"/>
           </a:p>
@@ -662,7 +668,7 @@
           <a:p>
             <a:fld id="{D2031784-A086-4F48-82B4-137E8731BB34}" type="datetimeFigureOut">
               <a:rPr lang="en-US" smtClean="0"/>
-              <a:t>2/7/23</a:t>
+              <a:t>2/14/23</a:t>
             </a:fld>
             <a:endParaRPr lang="en-US"/>
           </a:p>
@@ -860,7 +866,7 @@
           <a:p>
             <a:fld id="{D2031784-A086-4F48-82B4-137E8731BB34}" type="datetimeFigureOut">
               <a:rPr lang="en-US" smtClean="0"/>
-              <a:t>2/7/23</a:t>
+              <a:t>2/14/23</a:t>
             </a:fld>
             <a:endParaRPr lang="en-US"/>
           </a:p>
@@ -1135,7 +1141,7 @@
           <a:p>
             <a:fld id="{D2031784-A086-4F48-82B4-137E8731BB34}" type="datetimeFigureOut">
               <a:rPr lang="en-US" smtClean="0"/>
-              <a:t>2/7/23</a:t>
+              <a:t>2/14/23</a:t>
             </a:fld>
             <a:endParaRPr lang="en-US"/>
           </a:p>
@@ -1400,7 +1406,7 @@
           <a:p>
             <a:fld id="{D2031784-A086-4F48-82B4-137E8731BB34}" type="datetimeFigureOut">
               <a:rPr lang="en-US" smtClean="0"/>
-              <a:t>2/7/23</a:t>
+              <a:t>2/14/23</a:t>
             </a:fld>
             <a:endParaRPr lang="en-US"/>
           </a:p>
@@ -1812,7 +1818,7 @@
           <a:p>
             <a:fld id="{D2031784-A086-4F48-82B4-137E8731BB34}" type="datetimeFigureOut">
               <a:rPr lang="en-US" smtClean="0"/>
-              <a:t>2/7/23</a:t>
+              <a:t>2/14/23</a:t>
             </a:fld>
             <a:endParaRPr lang="en-US"/>
           </a:p>
@@ -1953,7 +1959,7 @@
           <a:p>
             <a:fld id="{D2031784-A086-4F48-82B4-137E8731BB34}" type="datetimeFigureOut">
               <a:rPr lang="en-US" smtClean="0"/>
-              <a:t>2/7/23</a:t>
+              <a:t>2/14/23</a:t>
             </a:fld>
             <a:endParaRPr lang="en-US"/>
           </a:p>
@@ -2066,7 +2072,7 @@
           <a:p>
             <a:fld id="{D2031784-A086-4F48-82B4-137E8731BB34}" type="datetimeFigureOut">
               <a:rPr lang="en-US" smtClean="0"/>
-              <a:t>2/7/23</a:t>
+              <a:t>2/14/23</a:t>
             </a:fld>
             <a:endParaRPr lang="en-US"/>
           </a:p>
@@ -2377,7 +2383,7 @@
           <a:p>
             <a:fld id="{D2031784-A086-4F48-82B4-137E8731BB34}" type="datetimeFigureOut">
               <a:rPr lang="en-US" smtClean="0"/>
-              <a:t>2/7/23</a:t>
+              <a:t>2/14/23</a:t>
             </a:fld>
             <a:endParaRPr lang="en-US"/>
           </a:p>
@@ -2665,7 +2671,7 @@
           <a:p>
             <a:fld id="{D2031784-A086-4F48-82B4-137E8731BB34}" type="datetimeFigureOut">
               <a:rPr lang="en-US" smtClean="0"/>
-              <a:t>2/7/23</a:t>
+              <a:t>2/14/23</a:t>
             </a:fld>
             <a:endParaRPr lang="en-US"/>
           </a:p>
@@ -2906,7 +2912,7 @@
           <a:p>
             <a:fld id="{D2031784-A086-4F48-82B4-137E8731BB34}" type="datetimeFigureOut">
               <a:rPr lang="en-US" smtClean="0"/>
-              <a:t>2/7/23</a:t>
+              <a:t>2/14/23</a:t>
             </a:fld>
             <a:endParaRPr lang="en-US"/>
           </a:p>
@@ -12076,6 +12082,690 @@
 </p:sld>
 </file>
 
+<file path=ppt/slides/slide4.xml><?xml version="1.0" encoding="utf-8"?>
+<p:sld xmlns:a="http://schemas.openxmlformats.org/drawingml/2006/main" xmlns:r="http://schemas.openxmlformats.org/officeDocument/2006/relationships" xmlns:p="http://schemas.openxmlformats.org/presentationml/2006/main">
+  <p:cSld>
+    <p:spTree>
+      <p:nvGrpSpPr>
+        <p:cNvPr id="1" name=""/>
+        <p:cNvGrpSpPr/>
+        <p:nvPr/>
+      </p:nvGrpSpPr>
+      <p:grpSpPr>
+        <a:xfrm>
+          <a:off x="0" y="0"/>
+          <a:ext cx="0" cy="0"/>
+          <a:chOff x="0" y="0"/>
+          <a:chExt cx="0" cy="0"/>
+        </a:xfrm>
+      </p:grpSpPr>
+      <p:sp>
+        <p:nvSpPr>
+          <p:cNvPr id="2" name="Title 1">
+            <a:extLst>
+              <a:ext uri="{FF2B5EF4-FFF2-40B4-BE49-F238E27FC236}">
+                <a16:creationId xmlns:a16="http://schemas.microsoft.com/office/drawing/2014/main" id="{684DAC96-BD31-A1AD-BD49-463B3818A5F7}"/>
+              </a:ext>
+            </a:extLst>
+          </p:cNvPr>
+          <p:cNvSpPr>
+            <a:spLocks noGrp="1"/>
+          </p:cNvSpPr>
+          <p:nvPr>
+            <p:ph type="title"/>
+          </p:nvPr>
+        </p:nvSpPr>
+        <p:spPr>
+          <a:xfrm>
+            <a:off x="838200" y="365126"/>
+            <a:ext cx="10515600" cy="609868"/>
+          </a:xfrm>
+        </p:spPr>
+        <p:txBody>
+          <a:bodyPr>
+            <a:normAutofit fontScale="90000"/>
+          </a:bodyPr>
+          <a:lstStyle/>
+          <a:p>
+            <a:r>
+              <a:rPr lang="en-US" dirty="0"/>
+              <a:t>Face Layout</a:t>
+            </a:r>
+          </a:p>
+        </p:txBody>
+      </p:sp>
+      <p:sp>
+        <p:nvSpPr>
+          <p:cNvPr id="4" name="Rectangle 3">
+            <a:extLst>
+              <a:ext uri="{FF2B5EF4-FFF2-40B4-BE49-F238E27FC236}">
+                <a16:creationId xmlns:a16="http://schemas.microsoft.com/office/drawing/2014/main" id="{F4C65103-CF42-3E7C-0140-59AC50204348}"/>
+              </a:ext>
+            </a:extLst>
+          </p:cNvPr>
+          <p:cNvSpPr/>
+          <p:nvPr/>
+        </p:nvSpPr>
+        <p:spPr>
+          <a:xfrm>
+            <a:off x="2058318" y="1789188"/>
+            <a:ext cx="7326217" cy="3668617"/>
+          </a:xfrm>
+          <a:prstGeom prst="rect">
+            <a:avLst/>
+          </a:prstGeom>
+        </p:spPr>
+        <p:style>
+          <a:lnRef idx="2">
+            <a:schemeClr val="accent1">
+              <a:shade val="50000"/>
+            </a:schemeClr>
+          </a:lnRef>
+          <a:fillRef idx="1">
+            <a:schemeClr val="accent1"/>
+          </a:fillRef>
+          <a:effectRef idx="0">
+            <a:schemeClr val="accent1"/>
+          </a:effectRef>
+          <a:fontRef idx="minor">
+            <a:schemeClr val="lt1"/>
+          </a:fontRef>
+        </p:style>
+        <p:txBody>
+          <a:bodyPr rtlCol="0" anchor="ctr"/>
+          <a:lstStyle/>
+          <a:p>
+            <a:pPr algn="ctr"/>
+            <a:endParaRPr lang="en-US"/>
+          </a:p>
+        </p:txBody>
+      </p:sp>
+      <p:sp>
+        <p:nvSpPr>
+          <p:cNvPr id="5" name="TextBox 4">
+            <a:extLst>
+              <a:ext uri="{FF2B5EF4-FFF2-40B4-BE49-F238E27FC236}">
+                <a16:creationId xmlns:a16="http://schemas.microsoft.com/office/drawing/2014/main" id="{4474BA7A-D893-CC20-88B4-9FB2534F4E66}"/>
+              </a:ext>
+            </a:extLst>
+          </p:cNvPr>
+          <p:cNvSpPr txBox="1"/>
+          <p:nvPr/>
+        </p:nvSpPr>
+        <p:spPr>
+          <a:xfrm>
+            <a:off x="1440841" y="1518273"/>
+            <a:ext cx="617477" cy="369332"/>
+          </a:xfrm>
+          <a:prstGeom prst="rect">
+            <a:avLst/>
+          </a:prstGeom>
+          <a:noFill/>
+        </p:spPr>
+        <p:txBody>
+          <a:bodyPr wrap="none" rtlCol="0">
+            <a:spAutoFit/>
+          </a:bodyPr>
+          <a:lstStyle/>
+          <a:p>
+            <a:r>
+              <a:rPr lang="en-US" dirty="0"/>
+              <a:t>(0,0)</a:t>
+            </a:r>
+          </a:p>
+        </p:txBody>
+      </p:sp>
+      <p:sp>
+        <p:nvSpPr>
+          <p:cNvPr id="6" name="TextBox 5">
+            <a:extLst>
+              <a:ext uri="{FF2B5EF4-FFF2-40B4-BE49-F238E27FC236}">
+                <a16:creationId xmlns:a16="http://schemas.microsoft.com/office/drawing/2014/main" id="{8983D717-4397-334C-541F-51DFE682E8BF}"/>
+              </a:ext>
+            </a:extLst>
+          </p:cNvPr>
+          <p:cNvSpPr txBox="1"/>
+          <p:nvPr/>
+        </p:nvSpPr>
+        <p:spPr>
+          <a:xfrm>
+            <a:off x="1323822" y="5273139"/>
+            <a:ext cx="734496" cy="369332"/>
+          </a:xfrm>
+          <a:prstGeom prst="rect">
+            <a:avLst/>
+          </a:prstGeom>
+          <a:noFill/>
+        </p:spPr>
+        <p:txBody>
+          <a:bodyPr wrap="none" rtlCol="0">
+            <a:spAutoFit/>
+          </a:bodyPr>
+          <a:lstStyle/>
+          <a:p>
+            <a:r>
+              <a:rPr lang="en-US" dirty="0"/>
+              <a:t>(0,63)</a:t>
+            </a:r>
+          </a:p>
+        </p:txBody>
+      </p:sp>
+      <p:sp>
+        <p:nvSpPr>
+          <p:cNvPr id="7" name="TextBox 6">
+            <a:extLst>
+              <a:ext uri="{FF2B5EF4-FFF2-40B4-BE49-F238E27FC236}">
+                <a16:creationId xmlns:a16="http://schemas.microsoft.com/office/drawing/2014/main" id="{CEB719E6-DD55-4609-8D7E-62E0AE606DAE}"/>
+              </a:ext>
+            </a:extLst>
+          </p:cNvPr>
+          <p:cNvSpPr txBox="1"/>
+          <p:nvPr/>
+        </p:nvSpPr>
+        <p:spPr>
+          <a:xfrm>
+            <a:off x="9384535" y="1419856"/>
+            <a:ext cx="851515" cy="369332"/>
+          </a:xfrm>
+          <a:prstGeom prst="rect">
+            <a:avLst/>
+          </a:prstGeom>
+          <a:noFill/>
+        </p:spPr>
+        <p:txBody>
+          <a:bodyPr wrap="none" rtlCol="0">
+            <a:spAutoFit/>
+          </a:bodyPr>
+          <a:lstStyle/>
+          <a:p>
+            <a:r>
+              <a:rPr lang="en-US" dirty="0"/>
+              <a:t>(129,0)</a:t>
+            </a:r>
+          </a:p>
+        </p:txBody>
+      </p:sp>
+      <p:cxnSp>
+        <p:nvCxnSpPr>
+          <p:cNvPr id="9" name="Straight Connector 8">
+            <a:extLst>
+              <a:ext uri="{FF2B5EF4-FFF2-40B4-BE49-F238E27FC236}">
+                <a16:creationId xmlns:a16="http://schemas.microsoft.com/office/drawing/2014/main" id="{F7F4561A-A48E-2D4E-5E10-1C7946C405C3}"/>
+              </a:ext>
+            </a:extLst>
+          </p:cNvPr>
+          <p:cNvCxnSpPr>
+            <a:cxnSpLocks/>
+          </p:cNvCxnSpPr>
+          <p:nvPr/>
+        </p:nvCxnSpPr>
+        <p:spPr>
+          <a:xfrm>
+            <a:off x="2058318" y="3063473"/>
+            <a:ext cx="7326217" cy="0"/>
+          </a:xfrm>
+          <a:prstGeom prst="line">
+            <a:avLst/>
+          </a:prstGeom>
+          <a:ln w="19050">
+            <a:solidFill>
+              <a:schemeClr val="bg1"/>
+            </a:solidFill>
+          </a:ln>
+        </p:spPr>
+        <p:style>
+          <a:lnRef idx="1">
+            <a:schemeClr val="accent1"/>
+          </a:lnRef>
+          <a:fillRef idx="0">
+            <a:schemeClr val="accent1"/>
+          </a:fillRef>
+          <a:effectRef idx="0">
+            <a:schemeClr val="accent1"/>
+          </a:effectRef>
+          <a:fontRef idx="minor">
+            <a:schemeClr val="tx1"/>
+          </a:fontRef>
+        </p:style>
+      </p:cxnSp>
+      <p:cxnSp>
+        <p:nvCxnSpPr>
+          <p:cNvPr id="11" name="Straight Connector 10">
+            <a:extLst>
+              <a:ext uri="{FF2B5EF4-FFF2-40B4-BE49-F238E27FC236}">
+                <a16:creationId xmlns:a16="http://schemas.microsoft.com/office/drawing/2014/main" id="{EE96F08D-4B82-0F92-1939-C5EE558E2B98}"/>
+              </a:ext>
+            </a:extLst>
+          </p:cNvPr>
+          <p:cNvCxnSpPr>
+            <a:cxnSpLocks/>
+          </p:cNvCxnSpPr>
+          <p:nvPr/>
+        </p:nvCxnSpPr>
+        <p:spPr>
+          <a:xfrm>
+            <a:off x="2058318" y="4196374"/>
+            <a:ext cx="7326217" cy="0"/>
+          </a:xfrm>
+          <a:prstGeom prst="line">
+            <a:avLst/>
+          </a:prstGeom>
+          <a:ln w="19050">
+            <a:solidFill>
+              <a:schemeClr val="bg1"/>
+            </a:solidFill>
+          </a:ln>
+        </p:spPr>
+        <p:style>
+          <a:lnRef idx="1">
+            <a:schemeClr val="accent1"/>
+          </a:lnRef>
+          <a:fillRef idx="0">
+            <a:schemeClr val="accent1"/>
+          </a:fillRef>
+          <a:effectRef idx="0">
+            <a:schemeClr val="accent1"/>
+          </a:effectRef>
+          <a:fontRef idx="minor">
+            <a:schemeClr val="tx1"/>
+          </a:fontRef>
+        </p:style>
+      </p:cxnSp>
+      <p:sp>
+        <p:nvSpPr>
+          <p:cNvPr id="12" name="TextBox 11">
+            <a:extLst>
+              <a:ext uri="{FF2B5EF4-FFF2-40B4-BE49-F238E27FC236}">
+                <a16:creationId xmlns:a16="http://schemas.microsoft.com/office/drawing/2014/main" id="{80A22E43-C28D-20E5-2396-9BE4F7294D76}"/>
+              </a:ext>
+            </a:extLst>
+          </p:cNvPr>
+          <p:cNvSpPr txBox="1"/>
+          <p:nvPr/>
+        </p:nvSpPr>
+        <p:spPr>
+          <a:xfrm>
+            <a:off x="886843" y="2878807"/>
+            <a:ext cx="918841" cy="369332"/>
+          </a:xfrm>
+          <a:prstGeom prst="rect">
+            <a:avLst/>
+          </a:prstGeom>
+          <a:noFill/>
+        </p:spPr>
+        <p:txBody>
+          <a:bodyPr wrap="none" rtlCol="0">
+            <a:spAutoFit/>
+          </a:bodyPr>
+          <a:lstStyle/>
+          <a:p>
+            <a:r>
+              <a:rPr lang="en-US" dirty="0"/>
+              <a:t>1/3 - 21</a:t>
+            </a:r>
+          </a:p>
+        </p:txBody>
+      </p:sp>
+      <p:sp>
+        <p:nvSpPr>
+          <p:cNvPr id="13" name="TextBox 12">
+            <a:extLst>
+              <a:ext uri="{FF2B5EF4-FFF2-40B4-BE49-F238E27FC236}">
+                <a16:creationId xmlns:a16="http://schemas.microsoft.com/office/drawing/2014/main" id="{635FD3A3-ACC7-FCFC-5F2F-0CF4E169F57B}"/>
+              </a:ext>
+            </a:extLst>
+          </p:cNvPr>
+          <p:cNvSpPr txBox="1"/>
+          <p:nvPr/>
+        </p:nvSpPr>
+        <p:spPr>
+          <a:xfrm>
+            <a:off x="841959" y="4011708"/>
+            <a:ext cx="918841" cy="369332"/>
+          </a:xfrm>
+          <a:prstGeom prst="rect">
+            <a:avLst/>
+          </a:prstGeom>
+          <a:noFill/>
+        </p:spPr>
+        <p:txBody>
+          <a:bodyPr wrap="none" rtlCol="0">
+            <a:spAutoFit/>
+          </a:bodyPr>
+          <a:lstStyle/>
+          <a:p>
+            <a:r>
+              <a:rPr lang="en-US" dirty="0"/>
+              <a:t>2/3 - 42</a:t>
+            </a:r>
+          </a:p>
+        </p:txBody>
+      </p:sp>
+      <p:sp>
+        <p:nvSpPr>
+          <p:cNvPr id="14" name="TextBox 13">
+            <a:extLst>
+              <a:ext uri="{FF2B5EF4-FFF2-40B4-BE49-F238E27FC236}">
+                <a16:creationId xmlns:a16="http://schemas.microsoft.com/office/drawing/2014/main" id="{DF0A76B8-4EBB-8E18-D26B-4D88BAD3EEC8}"/>
+              </a:ext>
+            </a:extLst>
+          </p:cNvPr>
+          <p:cNvSpPr txBox="1"/>
+          <p:nvPr/>
+        </p:nvSpPr>
+        <p:spPr>
+          <a:xfrm>
+            <a:off x="3731696" y="1099733"/>
+            <a:ext cx="418704" cy="646331"/>
+          </a:xfrm>
+          <a:prstGeom prst="rect">
+            <a:avLst/>
+          </a:prstGeom>
+          <a:noFill/>
+        </p:spPr>
+        <p:txBody>
+          <a:bodyPr wrap="none" rtlCol="0">
+            <a:spAutoFit/>
+          </a:bodyPr>
+          <a:lstStyle/>
+          <a:p>
+            <a:r>
+              <a:rPr lang="en-US" dirty="0"/>
+              <a:t>¼</a:t>
+            </a:r>
+          </a:p>
+          <a:p>
+            <a:r>
+              <a:rPr lang="en-US" dirty="0"/>
+              <a:t>32</a:t>
+            </a:r>
+          </a:p>
+        </p:txBody>
+      </p:sp>
+      <p:sp>
+        <p:nvSpPr>
+          <p:cNvPr id="15" name="TextBox 14">
+            <a:extLst>
+              <a:ext uri="{FF2B5EF4-FFF2-40B4-BE49-F238E27FC236}">
+                <a16:creationId xmlns:a16="http://schemas.microsoft.com/office/drawing/2014/main" id="{F143BEA8-6D8F-6EAA-3C75-9A4D6AD79F7F}"/>
+              </a:ext>
+            </a:extLst>
+          </p:cNvPr>
+          <p:cNvSpPr txBox="1"/>
+          <p:nvPr/>
+        </p:nvSpPr>
+        <p:spPr>
+          <a:xfrm>
+            <a:off x="7514570" y="1093962"/>
+            <a:ext cx="418704" cy="646331"/>
+          </a:xfrm>
+          <a:prstGeom prst="rect">
+            <a:avLst/>
+          </a:prstGeom>
+          <a:noFill/>
+        </p:spPr>
+        <p:txBody>
+          <a:bodyPr wrap="none" rtlCol="0">
+            <a:spAutoFit/>
+          </a:bodyPr>
+          <a:lstStyle/>
+          <a:p>
+            <a:r>
+              <a:rPr lang="en-US" dirty="0"/>
+              <a:t>¾</a:t>
+            </a:r>
+          </a:p>
+          <a:p>
+            <a:r>
+              <a:rPr lang="en-US" dirty="0"/>
+              <a:t>96</a:t>
+            </a:r>
+          </a:p>
+        </p:txBody>
+      </p:sp>
+      <p:sp>
+        <p:nvSpPr>
+          <p:cNvPr id="16" name="TextBox 15">
+            <a:extLst>
+              <a:ext uri="{FF2B5EF4-FFF2-40B4-BE49-F238E27FC236}">
+                <a16:creationId xmlns:a16="http://schemas.microsoft.com/office/drawing/2014/main" id="{4F45F285-DE87-1BEB-AA97-3FD76DE2BBB6}"/>
+              </a:ext>
+            </a:extLst>
+          </p:cNvPr>
+          <p:cNvSpPr txBox="1"/>
+          <p:nvPr/>
+        </p:nvSpPr>
+        <p:spPr>
+          <a:xfrm>
+            <a:off x="5614427" y="1093694"/>
+            <a:ext cx="418704" cy="646331"/>
+          </a:xfrm>
+          <a:prstGeom prst="rect">
+            <a:avLst/>
+          </a:prstGeom>
+          <a:noFill/>
+        </p:spPr>
+        <p:txBody>
+          <a:bodyPr wrap="none" rtlCol="0">
+            <a:spAutoFit/>
+          </a:bodyPr>
+          <a:lstStyle/>
+          <a:p>
+            <a:r>
+              <a:rPr lang="en-US" dirty="0"/>
+              <a:t>½</a:t>
+            </a:r>
+          </a:p>
+          <a:p>
+            <a:r>
+              <a:rPr lang="en-US" dirty="0"/>
+              <a:t>64</a:t>
+            </a:r>
+          </a:p>
+        </p:txBody>
+      </p:sp>
+      <p:cxnSp>
+        <p:nvCxnSpPr>
+          <p:cNvPr id="17" name="Straight Connector 16">
+            <a:extLst>
+              <a:ext uri="{FF2B5EF4-FFF2-40B4-BE49-F238E27FC236}">
+                <a16:creationId xmlns:a16="http://schemas.microsoft.com/office/drawing/2014/main" id="{2CA1211E-5603-D822-8770-28BE2101D897}"/>
+              </a:ext>
+            </a:extLst>
+          </p:cNvPr>
+          <p:cNvCxnSpPr>
+            <a:cxnSpLocks/>
+            <a:stCxn id="4" idx="0"/>
+          </p:cNvCxnSpPr>
+          <p:nvPr/>
+        </p:nvCxnSpPr>
+        <p:spPr>
+          <a:xfrm flipH="1">
+            <a:off x="5665659" y="1789188"/>
+            <a:ext cx="55768" cy="3731695"/>
+          </a:xfrm>
+          <a:prstGeom prst="line">
+            <a:avLst/>
+          </a:prstGeom>
+          <a:ln w="19050">
+            <a:solidFill>
+              <a:schemeClr val="bg1"/>
+            </a:solidFill>
+          </a:ln>
+        </p:spPr>
+        <p:style>
+          <a:lnRef idx="1">
+            <a:schemeClr val="accent1"/>
+          </a:lnRef>
+          <a:fillRef idx="0">
+            <a:schemeClr val="accent1"/>
+          </a:fillRef>
+          <a:effectRef idx="0">
+            <a:schemeClr val="accent1"/>
+          </a:effectRef>
+          <a:fontRef idx="minor">
+            <a:schemeClr val="tx1"/>
+          </a:fontRef>
+        </p:style>
+      </p:cxnSp>
+      <p:sp>
+        <p:nvSpPr>
+          <p:cNvPr id="20" name="Oval 19">
+            <a:extLst>
+              <a:ext uri="{FF2B5EF4-FFF2-40B4-BE49-F238E27FC236}">
+                <a16:creationId xmlns:a16="http://schemas.microsoft.com/office/drawing/2014/main" id="{11B9C2B2-87DF-6B01-DE64-52A151F3C015}"/>
+              </a:ext>
+            </a:extLst>
+          </p:cNvPr>
+          <p:cNvSpPr/>
+          <p:nvPr/>
+        </p:nvSpPr>
+        <p:spPr>
+          <a:xfrm>
+            <a:off x="3470313" y="2522863"/>
+            <a:ext cx="1079653" cy="1100633"/>
+          </a:xfrm>
+          <a:prstGeom prst="ellipse">
+            <a:avLst/>
+          </a:prstGeom>
+          <a:solidFill>
+            <a:schemeClr val="bg1"/>
+          </a:solidFill>
+          <a:ln w="57150">
+            <a:noFill/>
+          </a:ln>
+        </p:spPr>
+        <p:style>
+          <a:lnRef idx="2">
+            <a:schemeClr val="accent1">
+              <a:shade val="50000"/>
+            </a:schemeClr>
+          </a:lnRef>
+          <a:fillRef idx="1">
+            <a:schemeClr val="accent1"/>
+          </a:fillRef>
+          <a:effectRef idx="0">
+            <a:schemeClr val="accent1"/>
+          </a:effectRef>
+          <a:fontRef idx="minor">
+            <a:schemeClr val="lt1"/>
+          </a:fontRef>
+        </p:style>
+        <p:txBody>
+          <a:bodyPr rtlCol="0" anchor="ctr"/>
+          <a:lstStyle/>
+          <a:p>
+            <a:pPr algn="ctr"/>
+            <a:endParaRPr lang="en-US"/>
+          </a:p>
+        </p:txBody>
+      </p:sp>
+      <p:sp>
+        <p:nvSpPr>
+          <p:cNvPr id="24" name="Oval 23">
+            <a:extLst>
+              <a:ext uri="{FF2B5EF4-FFF2-40B4-BE49-F238E27FC236}">
+                <a16:creationId xmlns:a16="http://schemas.microsoft.com/office/drawing/2014/main" id="{1EFDAE0A-27C1-DDF2-19DF-4839BE41D77F}"/>
+              </a:ext>
+            </a:extLst>
+          </p:cNvPr>
+          <p:cNvSpPr/>
+          <p:nvPr/>
+        </p:nvSpPr>
+        <p:spPr>
+          <a:xfrm>
+            <a:off x="7077654" y="2513156"/>
+            <a:ext cx="1079653" cy="1100633"/>
+          </a:xfrm>
+          <a:prstGeom prst="ellipse">
+            <a:avLst/>
+          </a:prstGeom>
+          <a:solidFill>
+            <a:schemeClr val="bg1"/>
+          </a:solidFill>
+          <a:ln w="57150">
+            <a:noFill/>
+          </a:ln>
+        </p:spPr>
+        <p:style>
+          <a:lnRef idx="2">
+            <a:schemeClr val="accent1">
+              <a:shade val="50000"/>
+            </a:schemeClr>
+          </a:lnRef>
+          <a:fillRef idx="1">
+            <a:schemeClr val="accent1"/>
+          </a:fillRef>
+          <a:effectRef idx="0">
+            <a:schemeClr val="accent1"/>
+          </a:effectRef>
+          <a:fontRef idx="minor">
+            <a:schemeClr val="lt1"/>
+          </a:fontRef>
+        </p:style>
+        <p:txBody>
+          <a:bodyPr rtlCol="0" anchor="ctr"/>
+          <a:lstStyle/>
+          <a:p>
+            <a:pPr algn="ctr"/>
+            <a:endParaRPr lang="en-US"/>
+          </a:p>
+        </p:txBody>
+      </p:sp>
+      <p:cxnSp>
+        <p:nvCxnSpPr>
+          <p:cNvPr id="26" name="Straight Connector 25">
+            <a:extLst>
+              <a:ext uri="{FF2B5EF4-FFF2-40B4-BE49-F238E27FC236}">
+                <a16:creationId xmlns:a16="http://schemas.microsoft.com/office/drawing/2014/main" id="{2B771A19-B909-6DE6-A27E-EEC802AA0DF2}"/>
+              </a:ext>
+            </a:extLst>
+          </p:cNvPr>
+          <p:cNvCxnSpPr/>
+          <p:nvPr/>
+        </p:nvCxnSpPr>
+        <p:spPr>
+          <a:xfrm>
+            <a:off x="4010139" y="4196374"/>
+            <a:ext cx="3713783" cy="0"/>
+          </a:xfrm>
+          <a:prstGeom prst="line">
+            <a:avLst/>
+          </a:prstGeom>
+          <a:ln w="76200">
+            <a:solidFill>
+              <a:schemeClr val="bg1"/>
+            </a:solidFill>
+          </a:ln>
+        </p:spPr>
+        <p:style>
+          <a:lnRef idx="1">
+            <a:schemeClr val="accent1"/>
+          </a:lnRef>
+          <a:fillRef idx="0">
+            <a:schemeClr val="accent1"/>
+          </a:fillRef>
+          <a:effectRef idx="0">
+            <a:schemeClr val="accent1"/>
+          </a:effectRef>
+          <a:fontRef idx="minor">
+            <a:schemeClr val="tx1"/>
+          </a:fontRef>
+        </p:style>
+      </p:cxnSp>
+    </p:spTree>
+    <p:extLst>
+      <p:ext uri="{BB962C8B-B14F-4D97-AF65-F5344CB8AC3E}">
+        <p14:creationId xmlns:p14="http://schemas.microsoft.com/office/powerpoint/2010/main" val="2656581601"/>
+      </p:ext>
+    </p:extLst>
+  </p:cSld>
+  <p:clrMapOvr>
+    <a:masterClrMapping/>
+  </p:clrMapOvr>
+</p:sld>
+</file>
+
 <file path=ppt/theme/theme1.xml><?xml version="1.0" encoding="utf-8"?>
 <a:theme xmlns:a="http://schemas.openxmlformats.org/drawingml/2006/main" name="Office Theme">
   <a:themeElements>

--- a/slides/grid-layouts.pptx
+++ b/slides/grid-layouts.pptx
@@ -9,6 +9,7 @@
     <p:sldId id="257" r:id="rId3"/>
     <p:sldId id="258" r:id="rId4"/>
     <p:sldId id="259" r:id="rId5"/>
+    <p:sldId id="260" r:id="rId6"/>
   </p:sldIdLst>
   <p:sldSz cx="12192000" cy="6858000"/>
   <p:notesSz cx="6858000" cy="9144000"/>
@@ -262,7 +263,7 @@
           <a:p>
             <a:fld id="{D2031784-A086-4F48-82B4-137E8731BB34}" type="datetimeFigureOut">
               <a:rPr lang="en-US" smtClean="0"/>
-              <a:t>2/14/23</a:t>
+              <a:t>2/19/23</a:t>
             </a:fld>
             <a:endParaRPr lang="en-US"/>
           </a:p>
@@ -460,7 +461,7 @@
           <a:p>
             <a:fld id="{D2031784-A086-4F48-82B4-137E8731BB34}" type="datetimeFigureOut">
               <a:rPr lang="en-US" smtClean="0"/>
-              <a:t>2/14/23</a:t>
+              <a:t>2/19/23</a:t>
             </a:fld>
             <a:endParaRPr lang="en-US"/>
           </a:p>
@@ -668,7 +669,7 @@
           <a:p>
             <a:fld id="{D2031784-A086-4F48-82B4-137E8731BB34}" type="datetimeFigureOut">
               <a:rPr lang="en-US" smtClean="0"/>
-              <a:t>2/14/23</a:t>
+              <a:t>2/19/23</a:t>
             </a:fld>
             <a:endParaRPr lang="en-US"/>
           </a:p>
@@ -866,7 +867,7 @@
           <a:p>
             <a:fld id="{D2031784-A086-4F48-82B4-137E8731BB34}" type="datetimeFigureOut">
               <a:rPr lang="en-US" smtClean="0"/>
-              <a:t>2/14/23</a:t>
+              <a:t>2/19/23</a:t>
             </a:fld>
             <a:endParaRPr lang="en-US"/>
           </a:p>
@@ -1141,7 +1142,7 @@
           <a:p>
             <a:fld id="{D2031784-A086-4F48-82B4-137E8731BB34}" type="datetimeFigureOut">
               <a:rPr lang="en-US" smtClean="0"/>
-              <a:t>2/14/23</a:t>
+              <a:t>2/19/23</a:t>
             </a:fld>
             <a:endParaRPr lang="en-US"/>
           </a:p>
@@ -1406,7 +1407,7 @@
           <a:p>
             <a:fld id="{D2031784-A086-4F48-82B4-137E8731BB34}" type="datetimeFigureOut">
               <a:rPr lang="en-US" smtClean="0"/>
-              <a:t>2/14/23</a:t>
+              <a:t>2/19/23</a:t>
             </a:fld>
             <a:endParaRPr lang="en-US"/>
           </a:p>
@@ -1818,7 +1819,7 @@
           <a:p>
             <a:fld id="{D2031784-A086-4F48-82B4-137E8731BB34}" type="datetimeFigureOut">
               <a:rPr lang="en-US" smtClean="0"/>
-              <a:t>2/14/23</a:t>
+              <a:t>2/19/23</a:t>
             </a:fld>
             <a:endParaRPr lang="en-US"/>
           </a:p>
@@ -1959,7 +1960,7 @@
           <a:p>
             <a:fld id="{D2031784-A086-4F48-82B4-137E8731BB34}" type="datetimeFigureOut">
               <a:rPr lang="en-US" smtClean="0"/>
-              <a:t>2/14/23</a:t>
+              <a:t>2/19/23</a:t>
             </a:fld>
             <a:endParaRPr lang="en-US"/>
           </a:p>
@@ -2072,7 +2073,7 @@
           <a:p>
             <a:fld id="{D2031784-A086-4F48-82B4-137E8731BB34}" type="datetimeFigureOut">
               <a:rPr lang="en-US" smtClean="0"/>
-              <a:t>2/14/23</a:t>
+              <a:t>2/19/23</a:t>
             </a:fld>
             <a:endParaRPr lang="en-US"/>
           </a:p>
@@ -2383,7 +2384,7 @@
           <a:p>
             <a:fld id="{D2031784-A086-4F48-82B4-137E8731BB34}" type="datetimeFigureOut">
               <a:rPr lang="en-US" smtClean="0"/>
-              <a:t>2/14/23</a:t>
+              <a:t>2/19/23</a:t>
             </a:fld>
             <a:endParaRPr lang="en-US"/>
           </a:p>
@@ -2671,7 +2672,7 @@
           <a:p>
             <a:fld id="{D2031784-A086-4F48-82B4-137E8731BB34}" type="datetimeFigureOut">
               <a:rPr lang="en-US" smtClean="0"/>
-              <a:t>2/14/23</a:t>
+              <a:t>2/19/23</a:t>
             </a:fld>
             <a:endParaRPr lang="en-US"/>
           </a:p>
@@ -2912,7 +2913,7 @@
           <a:p>
             <a:fld id="{D2031784-A086-4F48-82B4-137E8731BB34}" type="datetimeFigureOut">
               <a:rPr lang="en-US" smtClean="0"/>
-              <a:t>2/14/23</a:t>
+              <a:t>2/19/23</a:t>
             </a:fld>
             <a:endParaRPr lang="en-US"/>
           </a:p>
@@ -12766,6 +12767,882 @@
 </p:sld>
 </file>
 
+<file path=ppt/slides/slide5.xml><?xml version="1.0" encoding="utf-8"?>
+<p:sld xmlns:a="http://schemas.openxmlformats.org/drawingml/2006/main" xmlns:r="http://schemas.openxmlformats.org/officeDocument/2006/relationships" xmlns:p="http://schemas.openxmlformats.org/presentationml/2006/main">
+  <p:cSld>
+    <p:spTree>
+      <p:nvGrpSpPr>
+        <p:cNvPr id="1" name=""/>
+        <p:cNvGrpSpPr/>
+        <p:nvPr/>
+      </p:nvGrpSpPr>
+      <p:grpSpPr>
+        <a:xfrm>
+          <a:off x="0" y="0"/>
+          <a:ext cx="0" cy="0"/>
+          <a:chOff x="0" y="0"/>
+          <a:chExt cx="0" cy="0"/>
+        </a:xfrm>
+      </p:grpSpPr>
+      <p:sp>
+        <p:nvSpPr>
+          <p:cNvPr id="2" name="Title 1">
+            <a:extLst>
+              <a:ext uri="{FF2B5EF4-FFF2-40B4-BE49-F238E27FC236}">
+                <a16:creationId xmlns:a16="http://schemas.microsoft.com/office/drawing/2014/main" id="{2A5E3AE1-C708-D3C2-3129-B16ED6B2D64C}"/>
+              </a:ext>
+            </a:extLst>
+          </p:cNvPr>
+          <p:cNvSpPr>
+            <a:spLocks noGrp="1"/>
+          </p:cNvSpPr>
+          <p:nvPr>
+            <p:ph type="title"/>
+          </p:nvPr>
+        </p:nvSpPr>
+        <p:spPr/>
+        <p:txBody>
+          <a:bodyPr/>
+          <a:lstStyle/>
+          <a:p>
+            <a:endParaRPr lang="en-US"/>
+          </a:p>
+        </p:txBody>
+      </p:sp>
+      <p:sp>
+        <p:nvSpPr>
+          <p:cNvPr id="3" name="Content Placeholder 2">
+            <a:extLst>
+              <a:ext uri="{FF2B5EF4-FFF2-40B4-BE49-F238E27FC236}">
+                <a16:creationId xmlns:a16="http://schemas.microsoft.com/office/drawing/2014/main" id="{D8FED7B5-C0E6-1288-2C65-A86236B09125}"/>
+              </a:ext>
+            </a:extLst>
+          </p:cNvPr>
+          <p:cNvSpPr>
+            <a:spLocks noGrp="1"/>
+          </p:cNvSpPr>
+          <p:nvPr>
+            <p:ph idx="1"/>
+          </p:nvPr>
+        </p:nvSpPr>
+        <p:spPr>
+          <a:xfrm>
+            <a:off x="838200" y="5288095"/>
+            <a:ext cx="10515600" cy="888867"/>
+          </a:xfrm>
+        </p:spPr>
+        <p:txBody>
+          <a:bodyPr/>
+          <a:lstStyle/>
+          <a:p>
+            <a:endParaRPr lang="en-US"/>
+          </a:p>
+        </p:txBody>
+      </p:sp>
+      <p:sp>
+        <p:nvSpPr>
+          <p:cNvPr id="5" name="Oval 4">
+            <a:extLst>
+              <a:ext uri="{FF2B5EF4-FFF2-40B4-BE49-F238E27FC236}">
+                <a16:creationId xmlns:a16="http://schemas.microsoft.com/office/drawing/2014/main" id="{14F5834A-7AA1-EB47-9AFA-F7EC7EB37B90}"/>
+              </a:ext>
+            </a:extLst>
+          </p:cNvPr>
+          <p:cNvSpPr/>
+          <p:nvPr/>
+        </p:nvSpPr>
+        <p:spPr>
+          <a:xfrm>
+            <a:off x="3470313" y="2522863"/>
+            <a:ext cx="2625687" cy="1100633"/>
+          </a:xfrm>
+          <a:prstGeom prst="ellipse">
+            <a:avLst/>
+          </a:prstGeom>
+          <a:solidFill>
+            <a:schemeClr val="bg2">
+              <a:lumMod val="75000"/>
+            </a:schemeClr>
+          </a:solidFill>
+          <a:ln w="57150">
+            <a:noFill/>
+          </a:ln>
+        </p:spPr>
+        <p:style>
+          <a:lnRef idx="2">
+            <a:schemeClr val="accent1">
+              <a:shade val="50000"/>
+            </a:schemeClr>
+          </a:lnRef>
+          <a:fillRef idx="1">
+            <a:schemeClr val="accent1"/>
+          </a:fillRef>
+          <a:effectRef idx="0">
+            <a:schemeClr val="accent1"/>
+          </a:effectRef>
+          <a:fontRef idx="minor">
+            <a:schemeClr val="lt1"/>
+          </a:fontRef>
+        </p:style>
+        <p:txBody>
+          <a:bodyPr rtlCol="0" anchor="ctr"/>
+          <a:lstStyle/>
+          <a:p>
+            <a:pPr algn="ctr"/>
+            <a:endParaRPr lang="en-US"/>
+          </a:p>
+        </p:txBody>
+      </p:sp>
+      <p:sp>
+        <p:nvSpPr>
+          <p:cNvPr id="6" name="Oval 5">
+            <a:extLst>
+              <a:ext uri="{FF2B5EF4-FFF2-40B4-BE49-F238E27FC236}">
+                <a16:creationId xmlns:a16="http://schemas.microsoft.com/office/drawing/2014/main" id="{74CAE23B-3254-D4EB-696A-ABF41DA289A9}"/>
+              </a:ext>
+            </a:extLst>
+          </p:cNvPr>
+          <p:cNvSpPr/>
+          <p:nvPr/>
+        </p:nvSpPr>
+        <p:spPr>
+          <a:xfrm>
+            <a:off x="4737253" y="3040655"/>
+            <a:ext cx="88135" cy="77118"/>
+          </a:xfrm>
+          <a:prstGeom prst="ellipse">
+            <a:avLst/>
+          </a:prstGeom>
+          <a:solidFill>
+            <a:schemeClr val="bg1"/>
+          </a:solidFill>
+        </p:spPr>
+        <p:style>
+          <a:lnRef idx="2">
+            <a:schemeClr val="accent1">
+              <a:shade val="50000"/>
+            </a:schemeClr>
+          </a:lnRef>
+          <a:fillRef idx="1">
+            <a:schemeClr val="accent1"/>
+          </a:fillRef>
+          <a:effectRef idx="0">
+            <a:schemeClr val="accent1"/>
+          </a:effectRef>
+          <a:fontRef idx="minor">
+            <a:schemeClr val="lt1"/>
+          </a:fontRef>
+        </p:style>
+        <p:txBody>
+          <a:bodyPr rtlCol="0" anchor="ctr"/>
+          <a:lstStyle/>
+          <a:p>
+            <a:pPr algn="ctr"/>
+            <a:endParaRPr lang="en-US"/>
+          </a:p>
+        </p:txBody>
+      </p:sp>
+      <p:cxnSp>
+        <p:nvCxnSpPr>
+          <p:cNvPr id="8" name="Straight Arrow Connector 7">
+            <a:extLst>
+              <a:ext uri="{FF2B5EF4-FFF2-40B4-BE49-F238E27FC236}">
+                <a16:creationId xmlns:a16="http://schemas.microsoft.com/office/drawing/2014/main" id="{64131709-1A8A-06C2-D8D9-F4610BB22ECC}"/>
+              </a:ext>
+            </a:extLst>
+          </p:cNvPr>
+          <p:cNvCxnSpPr/>
+          <p:nvPr/>
+        </p:nvCxnSpPr>
+        <p:spPr>
+          <a:xfrm>
+            <a:off x="2842352" y="2159306"/>
+            <a:ext cx="1894901" cy="0"/>
+          </a:xfrm>
+          <a:prstGeom prst="straightConnector1">
+            <a:avLst/>
+          </a:prstGeom>
+          <a:ln w="28575">
+            <a:solidFill>
+              <a:schemeClr val="tx1"/>
+            </a:solidFill>
+            <a:headEnd type="triangle"/>
+            <a:tailEnd type="triangle"/>
+          </a:ln>
+        </p:spPr>
+        <p:style>
+          <a:lnRef idx="1">
+            <a:schemeClr val="accent1"/>
+          </a:lnRef>
+          <a:fillRef idx="0">
+            <a:schemeClr val="accent1"/>
+          </a:fillRef>
+          <a:effectRef idx="0">
+            <a:schemeClr val="accent1"/>
+          </a:effectRef>
+          <a:fontRef idx="minor">
+            <a:schemeClr val="tx1"/>
+          </a:fontRef>
+        </p:style>
+      </p:cxnSp>
+      <p:cxnSp>
+        <p:nvCxnSpPr>
+          <p:cNvPr id="9" name="Straight Arrow Connector 8">
+            <a:extLst>
+              <a:ext uri="{FF2B5EF4-FFF2-40B4-BE49-F238E27FC236}">
+                <a16:creationId xmlns:a16="http://schemas.microsoft.com/office/drawing/2014/main" id="{1E766A57-52CB-3E3A-842E-23EE9774B618}"/>
+              </a:ext>
+            </a:extLst>
+          </p:cNvPr>
+          <p:cNvCxnSpPr>
+            <a:cxnSpLocks/>
+          </p:cNvCxnSpPr>
+          <p:nvPr/>
+        </p:nvCxnSpPr>
+        <p:spPr>
+          <a:xfrm>
+            <a:off x="2842352" y="2159306"/>
+            <a:ext cx="0" cy="927253"/>
+          </a:xfrm>
+          <a:prstGeom prst="straightConnector1">
+            <a:avLst/>
+          </a:prstGeom>
+          <a:ln w="28575">
+            <a:solidFill>
+              <a:schemeClr val="tx1"/>
+            </a:solidFill>
+            <a:headEnd type="triangle"/>
+            <a:tailEnd type="triangle"/>
+          </a:ln>
+        </p:spPr>
+        <p:style>
+          <a:lnRef idx="1">
+            <a:schemeClr val="accent1"/>
+          </a:lnRef>
+          <a:fillRef idx="0">
+            <a:schemeClr val="accent1"/>
+          </a:fillRef>
+          <a:effectRef idx="0">
+            <a:schemeClr val="accent1"/>
+          </a:effectRef>
+          <a:fontRef idx="minor">
+            <a:schemeClr val="tx1"/>
+          </a:fontRef>
+        </p:style>
+      </p:cxnSp>
+      <p:cxnSp>
+        <p:nvCxnSpPr>
+          <p:cNvPr id="11" name="Straight Arrow Connector 10">
+            <a:extLst>
+              <a:ext uri="{FF2B5EF4-FFF2-40B4-BE49-F238E27FC236}">
+                <a16:creationId xmlns:a16="http://schemas.microsoft.com/office/drawing/2014/main" id="{228D9945-2ADE-4D48-1005-70BD3BD31882}"/>
+              </a:ext>
+            </a:extLst>
+          </p:cNvPr>
+          <p:cNvCxnSpPr>
+            <a:cxnSpLocks/>
+            <a:stCxn id="6" idx="2"/>
+            <a:endCxn id="5" idx="2"/>
+          </p:cNvCxnSpPr>
+          <p:nvPr/>
+        </p:nvCxnSpPr>
+        <p:spPr>
+          <a:xfrm flipH="1" flipV="1">
+            <a:off x="3470313" y="3073180"/>
+            <a:ext cx="1266940" cy="6034"/>
+          </a:xfrm>
+          <a:prstGeom prst="straightConnector1">
+            <a:avLst/>
+          </a:prstGeom>
+          <a:ln w="28575">
+            <a:solidFill>
+              <a:schemeClr val="tx1"/>
+            </a:solidFill>
+            <a:headEnd type="triangle"/>
+            <a:tailEnd type="triangle"/>
+          </a:ln>
+        </p:spPr>
+        <p:style>
+          <a:lnRef idx="1">
+            <a:schemeClr val="accent1"/>
+          </a:lnRef>
+          <a:fillRef idx="0">
+            <a:schemeClr val="accent1"/>
+          </a:fillRef>
+          <a:effectRef idx="0">
+            <a:schemeClr val="accent1"/>
+          </a:effectRef>
+          <a:fontRef idx="minor">
+            <a:schemeClr val="tx1"/>
+          </a:fontRef>
+        </p:style>
+      </p:cxnSp>
+      <p:cxnSp>
+        <p:nvCxnSpPr>
+          <p:cNvPr id="14" name="Straight Arrow Connector 13">
+            <a:extLst>
+              <a:ext uri="{FF2B5EF4-FFF2-40B4-BE49-F238E27FC236}">
+                <a16:creationId xmlns:a16="http://schemas.microsoft.com/office/drawing/2014/main" id="{B0E2942D-3B4E-3C14-B67C-545004DC202D}"/>
+              </a:ext>
+            </a:extLst>
+          </p:cNvPr>
+          <p:cNvCxnSpPr>
+            <a:cxnSpLocks/>
+            <a:stCxn id="6" idx="0"/>
+            <a:endCxn id="5" idx="0"/>
+          </p:cNvCxnSpPr>
+          <p:nvPr/>
+        </p:nvCxnSpPr>
+        <p:spPr>
+          <a:xfrm flipV="1">
+            <a:off x="4781321" y="2522863"/>
+            <a:ext cx="1836" cy="517792"/>
+          </a:xfrm>
+          <a:prstGeom prst="straightConnector1">
+            <a:avLst/>
+          </a:prstGeom>
+          <a:ln w="28575">
+            <a:solidFill>
+              <a:schemeClr val="tx1"/>
+            </a:solidFill>
+            <a:headEnd type="triangle"/>
+            <a:tailEnd type="triangle"/>
+          </a:ln>
+        </p:spPr>
+        <p:style>
+          <a:lnRef idx="1">
+            <a:schemeClr val="accent1"/>
+          </a:lnRef>
+          <a:fillRef idx="0">
+            <a:schemeClr val="accent1"/>
+          </a:fillRef>
+          <a:effectRef idx="0">
+            <a:schemeClr val="accent1"/>
+          </a:effectRef>
+          <a:fontRef idx="minor">
+            <a:schemeClr val="tx1"/>
+          </a:fontRef>
+        </p:style>
+      </p:cxnSp>
+      <p:sp>
+        <p:nvSpPr>
+          <p:cNvPr id="17" name="TextBox 16">
+            <a:extLst>
+              <a:ext uri="{FF2B5EF4-FFF2-40B4-BE49-F238E27FC236}">
+                <a16:creationId xmlns:a16="http://schemas.microsoft.com/office/drawing/2014/main" id="{2317B49C-FB6C-12AB-8427-7E3EB99334E8}"/>
+              </a:ext>
+            </a:extLst>
+          </p:cNvPr>
+          <p:cNvSpPr txBox="1"/>
+          <p:nvPr/>
+        </p:nvSpPr>
+        <p:spPr>
+          <a:xfrm>
+            <a:off x="3647776" y="2064755"/>
+            <a:ext cx="284052" cy="369332"/>
+          </a:xfrm>
+          <a:prstGeom prst="rect">
+            <a:avLst/>
+          </a:prstGeom>
+          <a:noFill/>
+        </p:spPr>
+        <p:txBody>
+          <a:bodyPr wrap="none" rtlCol="0">
+            <a:spAutoFit/>
+          </a:bodyPr>
+          <a:lstStyle/>
+          <a:p>
+            <a:r>
+              <a:rPr lang="en-US" dirty="0"/>
+              <a:t>x</a:t>
+            </a:r>
+          </a:p>
+        </p:txBody>
+      </p:sp>
+      <p:sp>
+        <p:nvSpPr>
+          <p:cNvPr id="18" name="TextBox 17">
+            <a:extLst>
+              <a:ext uri="{FF2B5EF4-FFF2-40B4-BE49-F238E27FC236}">
+                <a16:creationId xmlns:a16="http://schemas.microsoft.com/office/drawing/2014/main" id="{677996C3-BB77-5328-3C2B-DB30F57D4208}"/>
+              </a:ext>
+            </a:extLst>
+          </p:cNvPr>
+          <p:cNvSpPr txBox="1"/>
+          <p:nvPr/>
+        </p:nvSpPr>
+        <p:spPr>
+          <a:xfrm>
+            <a:off x="2818986" y="2427962"/>
+            <a:ext cx="288862" cy="369332"/>
+          </a:xfrm>
+          <a:prstGeom prst="rect">
+            <a:avLst/>
+          </a:prstGeom>
+          <a:noFill/>
+        </p:spPr>
+        <p:txBody>
+          <a:bodyPr wrap="none" rtlCol="0">
+            <a:spAutoFit/>
+          </a:bodyPr>
+          <a:lstStyle/>
+          <a:p>
+            <a:r>
+              <a:rPr lang="en-US" dirty="0"/>
+              <a:t>y</a:t>
+            </a:r>
+          </a:p>
+        </p:txBody>
+      </p:sp>
+      <p:sp>
+        <p:nvSpPr>
+          <p:cNvPr id="19" name="TextBox 18">
+            <a:extLst>
+              <a:ext uri="{FF2B5EF4-FFF2-40B4-BE49-F238E27FC236}">
+                <a16:creationId xmlns:a16="http://schemas.microsoft.com/office/drawing/2014/main" id="{94F06EBD-9A69-BC59-312E-1A61DD316815}"/>
+              </a:ext>
+            </a:extLst>
+          </p:cNvPr>
+          <p:cNvSpPr txBox="1"/>
+          <p:nvPr/>
+        </p:nvSpPr>
+        <p:spPr>
+          <a:xfrm>
+            <a:off x="4781320" y="2663716"/>
+            <a:ext cx="1057212" cy="461665"/>
+          </a:xfrm>
+          <a:prstGeom prst="rect">
+            <a:avLst/>
+          </a:prstGeom>
+          <a:noFill/>
+        </p:spPr>
+        <p:txBody>
+          <a:bodyPr wrap="none" rtlCol="0">
+            <a:spAutoFit/>
+          </a:bodyPr>
+          <a:lstStyle/>
+          <a:p>
+            <a:pPr algn="ctr"/>
+            <a:r>
+              <a:rPr lang="en-US" sz="1200" dirty="0">
+                <a:solidFill>
+                  <a:schemeClr val="bg1"/>
+                </a:solidFill>
+              </a:rPr>
+              <a:t>vertical radius</a:t>
+            </a:r>
+          </a:p>
+          <a:p>
+            <a:pPr algn="ctr"/>
+            <a:r>
+              <a:rPr lang="en-US" sz="1200" dirty="0">
+                <a:solidFill>
+                  <a:schemeClr val="bg1"/>
+                </a:solidFill>
+              </a:rPr>
+              <a:t>(vr)</a:t>
+            </a:r>
+          </a:p>
+        </p:txBody>
+      </p:sp>
+      <p:sp>
+        <p:nvSpPr>
+          <p:cNvPr id="20" name="TextBox 19">
+            <a:extLst>
+              <a:ext uri="{FF2B5EF4-FFF2-40B4-BE49-F238E27FC236}">
+                <a16:creationId xmlns:a16="http://schemas.microsoft.com/office/drawing/2014/main" id="{09A3FFD3-F5FB-51BD-FEB5-9F67A4EE8568}"/>
+              </a:ext>
+            </a:extLst>
+          </p:cNvPr>
+          <p:cNvSpPr txBox="1"/>
+          <p:nvPr/>
+        </p:nvSpPr>
+        <p:spPr>
+          <a:xfrm>
+            <a:off x="3554894" y="3086559"/>
+            <a:ext cx="1226426" cy="461665"/>
+          </a:xfrm>
+          <a:prstGeom prst="rect">
+            <a:avLst/>
+          </a:prstGeom>
+          <a:noFill/>
+        </p:spPr>
+        <p:txBody>
+          <a:bodyPr wrap="none" rtlCol="0">
+            <a:spAutoFit/>
+          </a:bodyPr>
+          <a:lstStyle/>
+          <a:p>
+            <a:pPr algn="ctr"/>
+            <a:r>
+              <a:rPr lang="en-US" sz="1200" dirty="0">
+                <a:solidFill>
+                  <a:schemeClr val="bg1"/>
+                </a:solidFill>
+              </a:rPr>
+              <a:t>horizontal radius</a:t>
+            </a:r>
+          </a:p>
+          <a:p>
+            <a:pPr algn="ctr"/>
+            <a:r>
+              <a:rPr lang="en-US" sz="1200" dirty="0">
+                <a:solidFill>
+                  <a:schemeClr val="bg1"/>
+                </a:solidFill>
+              </a:rPr>
+              <a:t>(hr)</a:t>
+            </a:r>
+          </a:p>
+        </p:txBody>
+      </p:sp>
+      <p:sp>
+        <p:nvSpPr>
+          <p:cNvPr id="21" name="TextBox 20">
+            <a:extLst>
+              <a:ext uri="{FF2B5EF4-FFF2-40B4-BE49-F238E27FC236}">
+                <a16:creationId xmlns:a16="http://schemas.microsoft.com/office/drawing/2014/main" id="{0CF2FD8D-313E-2E18-21B8-87ADFD31CBBC}"/>
+              </a:ext>
+            </a:extLst>
+          </p:cNvPr>
+          <p:cNvSpPr txBox="1"/>
+          <p:nvPr/>
+        </p:nvSpPr>
+        <p:spPr>
+          <a:xfrm>
+            <a:off x="5489588" y="2156419"/>
+            <a:ext cx="1999715" cy="369332"/>
+          </a:xfrm>
+          <a:prstGeom prst="rect">
+            <a:avLst/>
+          </a:prstGeom>
+          <a:noFill/>
+        </p:spPr>
+        <p:txBody>
+          <a:bodyPr wrap="none" rtlCol="0">
+            <a:spAutoFit/>
+          </a:bodyPr>
+          <a:lstStyle/>
+          <a:p>
+            <a:r>
+              <a:rPr lang="en-US" dirty="0"/>
+              <a:t>ellipse(x, y, hr, vr, c)</a:t>
+            </a:r>
+          </a:p>
+        </p:txBody>
+      </p:sp>
+      <p:sp>
+        <p:nvSpPr>
+          <p:cNvPr id="22" name="Oval 21">
+            <a:extLst>
+              <a:ext uri="{FF2B5EF4-FFF2-40B4-BE49-F238E27FC236}">
+                <a16:creationId xmlns:a16="http://schemas.microsoft.com/office/drawing/2014/main" id="{71D79E7B-BE82-FC1F-FEB8-AB2256017634}"/>
+              </a:ext>
+            </a:extLst>
+          </p:cNvPr>
+          <p:cNvSpPr/>
+          <p:nvPr/>
+        </p:nvSpPr>
+        <p:spPr>
+          <a:xfrm>
+            <a:off x="5838532" y="3987052"/>
+            <a:ext cx="2625687" cy="1100633"/>
+          </a:xfrm>
+          <a:prstGeom prst="ellipse">
+            <a:avLst/>
+          </a:prstGeom>
+          <a:solidFill>
+            <a:schemeClr val="bg2">
+              <a:lumMod val="75000"/>
+            </a:schemeClr>
+          </a:solidFill>
+          <a:ln w="57150">
+            <a:noFill/>
+          </a:ln>
+        </p:spPr>
+        <p:style>
+          <a:lnRef idx="2">
+            <a:schemeClr val="accent1">
+              <a:shade val="50000"/>
+            </a:schemeClr>
+          </a:lnRef>
+          <a:fillRef idx="1">
+            <a:schemeClr val="accent1"/>
+          </a:fillRef>
+          <a:effectRef idx="0">
+            <a:schemeClr val="accent1"/>
+          </a:effectRef>
+          <a:fontRef idx="minor">
+            <a:schemeClr val="lt1"/>
+          </a:fontRef>
+        </p:style>
+        <p:txBody>
+          <a:bodyPr rtlCol="0" anchor="ctr"/>
+          <a:lstStyle/>
+          <a:p>
+            <a:pPr algn="ctr"/>
+            <a:endParaRPr lang="en-US" dirty="0"/>
+          </a:p>
+        </p:txBody>
+      </p:sp>
+      <p:sp>
+        <p:nvSpPr>
+          <p:cNvPr id="23" name="TextBox 22">
+            <a:extLst>
+              <a:ext uri="{FF2B5EF4-FFF2-40B4-BE49-F238E27FC236}">
+                <a16:creationId xmlns:a16="http://schemas.microsoft.com/office/drawing/2014/main" id="{64799155-5C50-D4FD-4C88-420A356DD979}"/>
+              </a:ext>
+            </a:extLst>
+          </p:cNvPr>
+          <p:cNvSpPr txBox="1"/>
+          <p:nvPr/>
+        </p:nvSpPr>
+        <p:spPr>
+          <a:xfrm>
+            <a:off x="7443050" y="4106380"/>
+            <a:ext cx="301686" cy="369332"/>
+          </a:xfrm>
+          <a:prstGeom prst="rect">
+            <a:avLst/>
+          </a:prstGeom>
+          <a:noFill/>
+        </p:spPr>
+        <p:txBody>
+          <a:bodyPr wrap="none" rtlCol="0">
+            <a:spAutoFit/>
+          </a:bodyPr>
+          <a:lstStyle/>
+          <a:p>
+            <a:r>
+              <a:rPr lang="en-US" dirty="0">
+                <a:solidFill>
+                  <a:schemeClr val="bg1"/>
+                </a:solidFill>
+              </a:rPr>
+              <a:t>1</a:t>
+            </a:r>
+          </a:p>
+        </p:txBody>
+      </p:sp>
+      <p:sp>
+        <p:nvSpPr>
+          <p:cNvPr id="24" name="TextBox 23">
+            <a:extLst>
+              <a:ext uri="{FF2B5EF4-FFF2-40B4-BE49-F238E27FC236}">
+                <a16:creationId xmlns:a16="http://schemas.microsoft.com/office/drawing/2014/main" id="{7BEDCE8B-65D1-0865-3FED-7576417900B1}"/>
+              </a:ext>
+            </a:extLst>
+          </p:cNvPr>
+          <p:cNvSpPr txBox="1"/>
+          <p:nvPr/>
+        </p:nvSpPr>
+        <p:spPr>
+          <a:xfrm>
+            <a:off x="6489445" y="4102139"/>
+            <a:ext cx="301686" cy="369332"/>
+          </a:xfrm>
+          <a:prstGeom prst="rect">
+            <a:avLst/>
+          </a:prstGeom>
+          <a:noFill/>
+        </p:spPr>
+        <p:txBody>
+          <a:bodyPr wrap="none" rtlCol="0">
+            <a:spAutoFit/>
+          </a:bodyPr>
+          <a:lstStyle/>
+          <a:p>
+            <a:r>
+              <a:rPr lang="en-US" dirty="0">
+                <a:solidFill>
+                  <a:schemeClr val="bg1"/>
+                </a:solidFill>
+              </a:rPr>
+              <a:t>2</a:t>
+            </a:r>
+          </a:p>
+        </p:txBody>
+      </p:sp>
+      <p:sp>
+        <p:nvSpPr>
+          <p:cNvPr id="25" name="TextBox 24">
+            <a:extLst>
+              <a:ext uri="{FF2B5EF4-FFF2-40B4-BE49-F238E27FC236}">
+                <a16:creationId xmlns:a16="http://schemas.microsoft.com/office/drawing/2014/main" id="{EC9D91F8-A6D4-7A3C-0E70-F49E45295303}"/>
+              </a:ext>
+            </a:extLst>
+          </p:cNvPr>
+          <p:cNvSpPr txBox="1"/>
+          <p:nvPr/>
+        </p:nvSpPr>
+        <p:spPr>
+          <a:xfrm>
+            <a:off x="6489445" y="4566636"/>
+            <a:ext cx="301686" cy="369332"/>
+          </a:xfrm>
+          <a:prstGeom prst="rect">
+            <a:avLst/>
+          </a:prstGeom>
+          <a:noFill/>
+        </p:spPr>
+        <p:txBody>
+          <a:bodyPr wrap="none" rtlCol="0">
+            <a:spAutoFit/>
+          </a:bodyPr>
+          <a:lstStyle/>
+          <a:p>
+            <a:r>
+              <a:rPr lang="en-US" dirty="0">
+                <a:solidFill>
+                  <a:schemeClr val="bg1"/>
+                </a:solidFill>
+              </a:rPr>
+              <a:t>4</a:t>
+            </a:r>
+          </a:p>
+        </p:txBody>
+      </p:sp>
+      <p:sp>
+        <p:nvSpPr>
+          <p:cNvPr id="26" name="TextBox 25">
+            <a:extLst>
+              <a:ext uri="{FF2B5EF4-FFF2-40B4-BE49-F238E27FC236}">
+                <a16:creationId xmlns:a16="http://schemas.microsoft.com/office/drawing/2014/main" id="{668BBCF2-9C7A-19E6-04CF-944CC62A75AD}"/>
+              </a:ext>
+            </a:extLst>
+          </p:cNvPr>
+          <p:cNvSpPr txBox="1"/>
+          <p:nvPr/>
+        </p:nvSpPr>
+        <p:spPr>
+          <a:xfrm>
+            <a:off x="7489303" y="4575917"/>
+            <a:ext cx="301686" cy="369332"/>
+          </a:xfrm>
+          <a:prstGeom prst="rect">
+            <a:avLst/>
+          </a:prstGeom>
+          <a:noFill/>
+        </p:spPr>
+        <p:txBody>
+          <a:bodyPr wrap="none" rtlCol="0">
+            <a:spAutoFit/>
+          </a:bodyPr>
+          <a:lstStyle/>
+          <a:p>
+            <a:r>
+              <a:rPr lang="en-US" dirty="0">
+                <a:solidFill>
+                  <a:schemeClr val="bg1"/>
+                </a:solidFill>
+              </a:rPr>
+              <a:t>8</a:t>
+            </a:r>
+          </a:p>
+        </p:txBody>
+      </p:sp>
+      <p:cxnSp>
+        <p:nvCxnSpPr>
+          <p:cNvPr id="28" name="Straight Connector 27">
+            <a:extLst>
+              <a:ext uri="{FF2B5EF4-FFF2-40B4-BE49-F238E27FC236}">
+                <a16:creationId xmlns:a16="http://schemas.microsoft.com/office/drawing/2014/main" id="{87F53318-86E7-1D84-E449-F831E6B34BD3}"/>
+              </a:ext>
+            </a:extLst>
+          </p:cNvPr>
+          <p:cNvCxnSpPr>
+            <a:stCxn id="22" idx="0"/>
+            <a:endCxn id="22" idx="4"/>
+          </p:cNvCxnSpPr>
+          <p:nvPr/>
+        </p:nvCxnSpPr>
+        <p:spPr>
+          <a:xfrm>
+            <a:off x="7151376" y="3987052"/>
+            <a:ext cx="0" cy="1100633"/>
+          </a:xfrm>
+          <a:prstGeom prst="line">
+            <a:avLst/>
+          </a:prstGeom>
+          <a:ln w="19050">
+            <a:solidFill>
+              <a:schemeClr val="tx1"/>
+            </a:solidFill>
+          </a:ln>
+        </p:spPr>
+        <p:style>
+          <a:lnRef idx="1">
+            <a:schemeClr val="accent1"/>
+          </a:lnRef>
+          <a:fillRef idx="0">
+            <a:schemeClr val="accent1"/>
+          </a:fillRef>
+          <a:effectRef idx="0">
+            <a:schemeClr val="accent1"/>
+          </a:effectRef>
+          <a:fontRef idx="minor">
+            <a:schemeClr val="tx1"/>
+          </a:fontRef>
+        </p:style>
+      </p:cxnSp>
+      <p:cxnSp>
+        <p:nvCxnSpPr>
+          <p:cNvPr id="29" name="Straight Connector 28">
+            <a:extLst>
+              <a:ext uri="{FF2B5EF4-FFF2-40B4-BE49-F238E27FC236}">
+                <a16:creationId xmlns:a16="http://schemas.microsoft.com/office/drawing/2014/main" id="{1F9339C4-C01F-F781-2A0A-0962883A731C}"/>
+              </a:ext>
+            </a:extLst>
+          </p:cNvPr>
+          <p:cNvCxnSpPr>
+            <a:cxnSpLocks/>
+            <a:stCxn id="22" idx="2"/>
+            <a:endCxn id="22" idx="6"/>
+          </p:cNvCxnSpPr>
+          <p:nvPr/>
+        </p:nvCxnSpPr>
+        <p:spPr>
+          <a:xfrm>
+            <a:off x="5838532" y="4537369"/>
+            <a:ext cx="2625687" cy="0"/>
+          </a:xfrm>
+          <a:prstGeom prst="line">
+            <a:avLst/>
+          </a:prstGeom>
+          <a:ln w="19050">
+            <a:solidFill>
+              <a:schemeClr val="tx1"/>
+            </a:solidFill>
+          </a:ln>
+        </p:spPr>
+        <p:style>
+          <a:lnRef idx="1">
+            <a:schemeClr val="accent1"/>
+          </a:lnRef>
+          <a:fillRef idx="0">
+            <a:schemeClr val="accent1"/>
+          </a:fillRef>
+          <a:effectRef idx="0">
+            <a:schemeClr val="accent1"/>
+          </a:effectRef>
+          <a:fontRef idx="minor">
+            <a:schemeClr val="tx1"/>
+          </a:fontRef>
+        </p:style>
+      </p:cxnSp>
+    </p:spTree>
+    <p:extLst>
+      <p:ext uri="{BB962C8B-B14F-4D97-AF65-F5344CB8AC3E}">
+        <p14:creationId xmlns:p14="http://schemas.microsoft.com/office/powerpoint/2010/main" val="3919126109"/>
+      </p:ext>
+    </p:extLst>
+  </p:cSld>
+  <p:clrMapOvr>
+    <a:masterClrMapping/>
+  </p:clrMapOvr>
+</p:sld>
+</file>
+
 <file path=ppt/theme/theme1.xml><?xml version="1.0" encoding="utf-8"?>
 <a:theme xmlns:a="http://schemas.openxmlformats.org/drawingml/2006/main" name="Office Theme">
   <a:themeElements>
